--- a/images/theory_analysis/RabbitMQ_Clustering_Mirroring/RabbitMQ_Clustering_Mirroring.pptx
+++ b/images/theory_analysis/RabbitMQ_Clustering_Mirroring/RabbitMQ_Clustering_Mirroring.pptx
@@ -217,7 +217,7 @@
           <a:p>
             <a:fld id="{6CD5550B-26C4-49A9-A5BA-636EF7BE6CE9}" type="datetimeFigureOut">
               <a:rPr lang="ko-KR" altLang="en-US" smtClean="0"/>
-              <a:t>2019-03-06</a:t>
+              <a:t>2019-03-08</a:t>
             </a:fld>
             <a:endParaRPr lang="ko-KR" altLang="en-US"/>
           </a:p>
@@ -1063,7 +1063,7 @@
           <a:p>
             <a:fld id="{FB30EDBD-1C2D-4C1E-B459-B60219FAB484}" type="datetimeFigureOut">
               <a:rPr lang="ko-KR" altLang="en-US" smtClean="0"/>
-              <a:t>2019-03-06</a:t>
+              <a:t>2019-03-08</a:t>
             </a:fld>
             <a:endParaRPr lang="ko-KR" altLang="en-US"/>
           </a:p>
@@ -1226,7 +1226,7 @@
           <a:p>
             <a:fld id="{FB30EDBD-1C2D-4C1E-B459-B60219FAB484}" type="datetimeFigureOut">
               <a:rPr lang="ko-KR" altLang="en-US" smtClean="0"/>
-              <a:t>2019-03-06</a:t>
+              <a:t>2019-03-08</a:t>
             </a:fld>
             <a:endParaRPr lang="ko-KR" altLang="en-US"/>
           </a:p>
@@ -1399,7 +1399,7 @@
           <a:p>
             <a:fld id="{FB30EDBD-1C2D-4C1E-B459-B60219FAB484}" type="datetimeFigureOut">
               <a:rPr lang="ko-KR" altLang="en-US" smtClean="0"/>
-              <a:t>2019-03-06</a:t>
+              <a:t>2019-03-08</a:t>
             </a:fld>
             <a:endParaRPr lang="ko-KR" altLang="en-US"/>
           </a:p>
@@ -1562,7 +1562,7 @@
           <a:p>
             <a:fld id="{FB30EDBD-1C2D-4C1E-B459-B60219FAB484}" type="datetimeFigureOut">
               <a:rPr lang="ko-KR" altLang="en-US" smtClean="0"/>
-              <a:t>2019-03-06</a:t>
+              <a:t>2019-03-08</a:t>
             </a:fld>
             <a:endParaRPr lang="ko-KR" altLang="en-US"/>
           </a:p>
@@ -1802,7 +1802,7 @@
           <a:p>
             <a:fld id="{FB30EDBD-1C2D-4C1E-B459-B60219FAB484}" type="datetimeFigureOut">
               <a:rPr lang="ko-KR" altLang="en-US" smtClean="0"/>
-              <a:t>2019-03-06</a:t>
+              <a:t>2019-03-08</a:t>
             </a:fld>
             <a:endParaRPr lang="ko-KR" altLang="en-US"/>
           </a:p>
@@ -2082,7 +2082,7 @@
           <a:p>
             <a:fld id="{FB30EDBD-1C2D-4C1E-B459-B60219FAB484}" type="datetimeFigureOut">
               <a:rPr lang="ko-KR" altLang="en-US" smtClean="0"/>
-              <a:t>2019-03-06</a:t>
+              <a:t>2019-03-08</a:t>
             </a:fld>
             <a:endParaRPr lang="ko-KR" altLang="en-US"/>
           </a:p>
@@ -2496,7 +2496,7 @@
           <a:p>
             <a:fld id="{FB30EDBD-1C2D-4C1E-B459-B60219FAB484}" type="datetimeFigureOut">
               <a:rPr lang="ko-KR" altLang="en-US" smtClean="0"/>
-              <a:t>2019-03-06</a:t>
+              <a:t>2019-03-08</a:t>
             </a:fld>
             <a:endParaRPr lang="ko-KR" altLang="en-US"/>
           </a:p>
@@ -2608,7 +2608,7 @@
           <a:p>
             <a:fld id="{FB30EDBD-1C2D-4C1E-B459-B60219FAB484}" type="datetimeFigureOut">
               <a:rPr lang="ko-KR" altLang="en-US" smtClean="0"/>
-              <a:t>2019-03-06</a:t>
+              <a:t>2019-03-08</a:t>
             </a:fld>
             <a:endParaRPr lang="ko-KR" altLang="en-US"/>
           </a:p>
@@ -2698,7 +2698,7 @@
           <a:p>
             <a:fld id="{FB30EDBD-1C2D-4C1E-B459-B60219FAB484}" type="datetimeFigureOut">
               <a:rPr lang="ko-KR" altLang="en-US" smtClean="0"/>
-              <a:t>2019-03-06</a:t>
+              <a:t>2019-03-08</a:t>
             </a:fld>
             <a:endParaRPr lang="ko-KR" altLang="en-US"/>
           </a:p>
@@ -2968,7 +2968,7 @@
           <a:p>
             <a:fld id="{FB30EDBD-1C2D-4C1E-B459-B60219FAB484}" type="datetimeFigureOut">
               <a:rPr lang="ko-KR" altLang="en-US" smtClean="0"/>
-              <a:t>2019-03-06</a:t>
+              <a:t>2019-03-08</a:t>
             </a:fld>
             <a:endParaRPr lang="ko-KR" altLang="en-US"/>
           </a:p>
@@ -3215,7 +3215,7 @@
           <a:p>
             <a:fld id="{FB30EDBD-1C2D-4C1E-B459-B60219FAB484}" type="datetimeFigureOut">
               <a:rPr lang="ko-KR" altLang="en-US" smtClean="0"/>
-              <a:t>2019-03-06</a:t>
+              <a:t>2019-03-08</a:t>
             </a:fld>
             <a:endParaRPr lang="ko-KR" altLang="en-US"/>
           </a:p>
@@ -3421,7 +3421,7 @@
           <a:p>
             <a:fld id="{FB30EDBD-1C2D-4C1E-B459-B60219FAB484}" type="datetimeFigureOut">
               <a:rPr lang="ko-KR" altLang="en-US" smtClean="0"/>
-              <a:t>2019-03-06</a:t>
+              <a:t>2019-03-08</a:t>
             </a:fld>
             <a:endParaRPr lang="ko-KR" altLang="en-US"/>
           </a:p>
@@ -3859,7 +3859,7 @@
             <a:pPr algn="ctr"/>
             <a:r>
               <a:rPr lang="en-US" altLang="ko-KR" sz="1400" b="1"/>
-              <a:t>RabbitMQ - Disk</a:t>
+              <a:t>RabbitMQ A - Disk</a:t>
             </a:r>
             <a:endParaRPr lang="ko-KR" altLang="en-US" sz="1400" b="1" dirty="0"/>
           </a:p>
@@ -4128,7 +4128,7 @@
             <a:pPr algn="ctr"/>
             <a:r>
               <a:rPr lang="en-US" altLang="ko-KR" sz="1400" b="1"/>
-              <a:t>RabbitMQ - RAM</a:t>
+              <a:t>RabbitMQ C - RAM</a:t>
             </a:r>
             <a:endParaRPr lang="ko-KR" altLang="en-US" sz="1400" b="1" dirty="0"/>
           </a:p>
@@ -4182,51 +4182,6 @@
           </a:p>
         </p:txBody>
       </p:sp>
-      <p:cxnSp>
-        <p:nvCxnSpPr>
-          <p:cNvPr id="63" name="직선 화살표 연결선 62">
-            <a:extLst>
-              <a:ext uri="{FF2B5EF4-FFF2-40B4-BE49-F238E27FC236}">
-                <a16:creationId xmlns:a16="http://schemas.microsoft.com/office/drawing/2014/main" id="{00EFBD6A-6BA3-46FA-BE80-9E33EF0B2C6B}"/>
-              </a:ext>
-            </a:extLst>
-          </p:cNvPr>
-          <p:cNvCxnSpPr>
-            <a:cxnSpLocks/>
-            <a:endCxn id="88" idx="1"/>
-          </p:cNvCxnSpPr>
-          <p:nvPr/>
-        </p:nvCxnSpPr>
-        <p:spPr>
-          <a:xfrm flipV="1">
-            <a:off x="3817244" y="2717707"/>
-            <a:ext cx="4444997" cy="1445302"/>
-          </a:xfrm>
-          <a:prstGeom prst="straightConnector1">
-            <a:avLst/>
-          </a:prstGeom>
-          <a:ln w="28575">
-            <a:solidFill>
-              <a:schemeClr val="tx2"/>
-            </a:solidFill>
-            <a:tailEnd type="arrow"/>
-          </a:ln>
-        </p:spPr>
-        <p:style>
-          <a:lnRef idx="1">
-            <a:schemeClr val="dk1"/>
-          </a:lnRef>
-          <a:fillRef idx="0">
-            <a:schemeClr val="dk1"/>
-          </a:fillRef>
-          <a:effectRef idx="0">
-            <a:schemeClr val="dk1"/>
-          </a:effectRef>
-          <a:fontRef idx="minor">
-            <a:schemeClr val="tx1"/>
-          </a:fontRef>
-        </p:style>
-      </p:cxnSp>
       <p:sp>
         <p:nvSpPr>
           <p:cNvPr id="68" name="모서리가 둥근 직사각형 3">
@@ -4242,7 +4197,7 @@
         <p:spPr>
           <a:xfrm>
             <a:off x="70072" y="2466137"/>
-            <a:ext cx="774255" cy="502462"/>
+            <a:ext cx="811687" cy="502462"/>
           </a:xfrm>
           <a:prstGeom prst="roundRect">
             <a:avLst/>
@@ -4274,7 +4229,7 @@
             <a:pPr algn="ctr"/>
             <a:r>
               <a:rPr lang="en-US" altLang="ko-KR" sz="1600"/>
-              <a:t>Pub</a:t>
+              <a:t>Pub A</a:t>
             </a:r>
             <a:endParaRPr lang="ko-KR" altLang="en-US" sz="1600" dirty="0"/>
           </a:p>
@@ -4324,7 +4279,7 @@
             <a:pPr algn="ctr"/>
             <a:r>
               <a:rPr lang="en-US" altLang="ko-KR" sz="1400" b="1"/>
-              <a:t>RabbitMQ - RAM</a:t>
+              <a:t>RabbitMQ B - RAM</a:t>
             </a:r>
             <a:endParaRPr lang="ko-KR" altLang="en-US" sz="1400" b="1" dirty="0"/>
           </a:p>
@@ -4390,14 +4345,14 @@
           <p:cNvCxnSpPr>
             <a:cxnSpLocks/>
             <a:stCxn id="68" idx="3"/>
-            <a:endCxn id="71" idx="1"/>
+            <a:endCxn id="69" idx="1"/>
           </p:cNvCxnSpPr>
           <p:nvPr/>
         </p:nvCxnSpPr>
         <p:spPr>
           <a:xfrm>
-            <a:off x="844327" y="2717368"/>
-            <a:ext cx="522400" cy="611637"/>
+            <a:off x="881759" y="2717368"/>
+            <a:ext cx="392960" cy="1150528"/>
           </a:xfrm>
           <a:prstGeom prst="straightConnector1">
             <a:avLst/>
@@ -4572,14 +4527,14 @@
           <p:cNvCxnSpPr>
             <a:cxnSpLocks/>
             <a:stCxn id="78" idx="3"/>
-            <a:endCxn id="89" idx="1"/>
+            <a:endCxn id="69" idx="3"/>
           </p:cNvCxnSpPr>
           <p:nvPr/>
         </p:nvCxnSpPr>
         <p:spPr>
           <a:xfrm flipV="1">
-            <a:off x="3806977" y="3905080"/>
-            <a:ext cx="4455264" cy="276263"/>
+            <a:off x="3806977" y="3867896"/>
+            <a:ext cx="137889" cy="313447"/>
           </a:xfrm>
           <a:prstGeom prst="straightConnector1">
             <a:avLst/>
@@ -4804,8 +4759,8 @@
         </p:nvSpPr>
         <p:spPr>
           <a:xfrm>
-            <a:off x="8262241" y="1275606"/>
-            <a:ext cx="774255" cy="502462"/>
+            <a:off x="8190233" y="1275606"/>
+            <a:ext cx="846263" cy="502462"/>
           </a:xfrm>
           <a:prstGeom prst="roundRect">
             <a:avLst/>
@@ -4837,7 +4792,7 @@
             <a:pPr algn="ctr"/>
             <a:r>
               <a:rPr lang="en-US" altLang="ko-KR" sz="1600"/>
-              <a:t>Sub</a:t>
+              <a:t>Sub A</a:t>
             </a:r>
             <a:endParaRPr lang="ko-KR" altLang="en-US" sz="1600" dirty="0"/>
           </a:p>
@@ -4857,8 +4812,8 @@
         </p:nvSpPr>
         <p:spPr>
           <a:xfrm>
-            <a:off x="8262241" y="2466476"/>
-            <a:ext cx="774255" cy="502462"/>
+            <a:off x="8190233" y="2466476"/>
+            <a:ext cx="846263" cy="502462"/>
           </a:xfrm>
           <a:prstGeom prst="roundRect">
             <a:avLst/>
@@ -4890,7 +4845,7 @@
             <a:pPr algn="ctr"/>
             <a:r>
               <a:rPr lang="en-US" altLang="ko-KR" sz="1600"/>
-              <a:t>Sub</a:t>
+              <a:t>Sub B</a:t>
             </a:r>
             <a:endParaRPr lang="ko-KR" altLang="en-US" sz="1600" dirty="0"/>
           </a:p>
@@ -4910,8 +4865,8 @@
         </p:nvSpPr>
         <p:spPr>
           <a:xfrm>
-            <a:off x="8262241" y="3653849"/>
-            <a:ext cx="774255" cy="502462"/>
+            <a:off x="8190233" y="3653849"/>
+            <a:ext cx="846263" cy="502462"/>
           </a:xfrm>
           <a:prstGeom prst="roundRect">
             <a:avLst/>
@@ -4943,7 +4898,7 @@
             <a:pPr algn="ctr"/>
             <a:r>
               <a:rPr lang="en-US" altLang="ko-KR" sz="1600"/>
-              <a:t>Sub</a:t>
+              <a:t>Sub C</a:t>
             </a:r>
             <a:endParaRPr lang="ko-KR" altLang="en-US" sz="1600" dirty="0"/>
           </a:p>
@@ -5089,14 +5044,290 @@
           <p:cNvCxnSpPr>
             <a:cxnSpLocks/>
             <a:stCxn id="15" idx="3"/>
-            <a:endCxn id="83" idx="1"/>
+            <a:endCxn id="8" idx="3"/>
           </p:cNvCxnSpPr>
           <p:nvPr/>
         </p:nvCxnSpPr>
         <p:spPr>
           <a:xfrm>
             <a:off x="5694839" y="1096758"/>
-            <a:ext cx="2567402" cy="430079"/>
+            <a:ext cx="137889" cy="538890"/>
+          </a:xfrm>
+          <a:prstGeom prst="straightConnector1">
+            <a:avLst/>
+          </a:prstGeom>
+          <a:ln w="28575">
+            <a:solidFill>
+              <a:schemeClr val="tx2"/>
+            </a:solidFill>
+            <a:tailEnd type="arrow"/>
+          </a:ln>
+        </p:spPr>
+        <p:style>
+          <a:lnRef idx="1">
+            <a:schemeClr val="dk1"/>
+          </a:lnRef>
+          <a:fillRef idx="0">
+            <a:schemeClr val="dk1"/>
+          </a:fillRef>
+          <a:effectRef idx="0">
+            <a:schemeClr val="dk1"/>
+          </a:effectRef>
+          <a:fontRef idx="minor">
+            <a:schemeClr val="tx1"/>
+          </a:fontRef>
+        </p:style>
+      </p:cxnSp>
+      <p:cxnSp>
+        <p:nvCxnSpPr>
+          <p:cNvPr id="32" name="직선 화살표 연결선 31">
+            <a:extLst>
+              <a:ext uri="{FF2B5EF4-FFF2-40B4-BE49-F238E27FC236}">
+                <a16:creationId xmlns:a16="http://schemas.microsoft.com/office/drawing/2014/main" id="{14B25F86-05DC-407F-90DD-04ED6C730F78}"/>
+              </a:ext>
+            </a:extLst>
+          </p:cNvPr>
+          <p:cNvCxnSpPr>
+            <a:cxnSpLocks/>
+            <a:stCxn id="69" idx="1"/>
+            <a:endCxn id="71" idx="1"/>
+          </p:cNvCxnSpPr>
+          <p:nvPr/>
+        </p:nvCxnSpPr>
+        <p:spPr>
+          <a:xfrm flipV="1">
+            <a:off x="1274719" y="3329005"/>
+            <a:ext cx="92008" cy="538891"/>
+          </a:xfrm>
+          <a:prstGeom prst="straightConnector1">
+            <a:avLst/>
+          </a:prstGeom>
+          <a:ln w="28575">
+            <a:solidFill>
+              <a:srgbClr val="C00000"/>
+            </a:solidFill>
+            <a:tailEnd type="arrow"/>
+          </a:ln>
+        </p:spPr>
+        <p:style>
+          <a:lnRef idx="1">
+            <a:schemeClr val="dk1"/>
+          </a:lnRef>
+          <a:fillRef idx="0">
+            <a:schemeClr val="dk1"/>
+          </a:fillRef>
+          <a:effectRef idx="0">
+            <a:schemeClr val="dk1"/>
+          </a:effectRef>
+          <a:fontRef idx="minor">
+            <a:schemeClr val="tx1"/>
+          </a:fontRef>
+        </p:style>
+      </p:cxnSp>
+      <p:cxnSp>
+        <p:nvCxnSpPr>
+          <p:cNvPr id="37" name="직선 화살표 연결선 36">
+            <a:extLst>
+              <a:ext uri="{FF2B5EF4-FFF2-40B4-BE49-F238E27FC236}">
+                <a16:creationId xmlns:a16="http://schemas.microsoft.com/office/drawing/2014/main" id="{DC005CCA-DCAC-45BD-B2B8-13CDBAAA9E56}"/>
+              </a:ext>
+            </a:extLst>
+          </p:cNvPr>
+          <p:cNvCxnSpPr>
+            <a:cxnSpLocks/>
+            <a:stCxn id="8" idx="3"/>
+            <a:endCxn id="83" idx="1"/>
+          </p:cNvCxnSpPr>
+          <p:nvPr/>
+        </p:nvCxnSpPr>
+        <p:spPr>
+          <a:xfrm flipV="1">
+            <a:off x="5832728" y="1526837"/>
+            <a:ext cx="2357505" cy="108811"/>
+          </a:xfrm>
+          <a:prstGeom prst="straightConnector1">
+            <a:avLst/>
+          </a:prstGeom>
+          <a:ln w="28575">
+            <a:solidFill>
+              <a:schemeClr val="tx2"/>
+            </a:solidFill>
+            <a:tailEnd type="arrow"/>
+          </a:ln>
+        </p:spPr>
+        <p:style>
+          <a:lnRef idx="1">
+            <a:schemeClr val="dk1"/>
+          </a:lnRef>
+          <a:fillRef idx="0">
+            <a:schemeClr val="dk1"/>
+          </a:fillRef>
+          <a:effectRef idx="0">
+            <a:schemeClr val="dk1"/>
+          </a:effectRef>
+          <a:fontRef idx="minor">
+            <a:schemeClr val="tx1"/>
+          </a:fontRef>
+        </p:style>
+      </p:cxnSp>
+      <p:cxnSp>
+        <p:nvCxnSpPr>
+          <p:cNvPr id="40" name="직선 화살표 연결선 39">
+            <a:extLst>
+              <a:ext uri="{FF2B5EF4-FFF2-40B4-BE49-F238E27FC236}">
+                <a16:creationId xmlns:a16="http://schemas.microsoft.com/office/drawing/2014/main" id="{D53DDCD0-51CD-4681-8E86-7A45FF507A71}"/>
+              </a:ext>
+            </a:extLst>
+          </p:cNvPr>
+          <p:cNvCxnSpPr>
+            <a:cxnSpLocks/>
+            <a:stCxn id="51" idx="3"/>
+            <a:endCxn id="89" idx="1"/>
+          </p:cNvCxnSpPr>
+          <p:nvPr/>
+        </p:nvCxnSpPr>
+        <p:spPr>
+          <a:xfrm>
+            <a:off x="7823535" y="3867896"/>
+            <a:ext cx="366698" cy="37184"/>
+          </a:xfrm>
+          <a:prstGeom prst="straightConnector1">
+            <a:avLst/>
+          </a:prstGeom>
+          <a:ln w="28575">
+            <a:solidFill>
+              <a:schemeClr val="tx2"/>
+            </a:solidFill>
+            <a:tailEnd type="arrow"/>
+          </a:ln>
+        </p:spPr>
+        <p:style>
+          <a:lnRef idx="1">
+            <a:schemeClr val="dk1"/>
+          </a:lnRef>
+          <a:fillRef idx="0">
+            <a:schemeClr val="dk1"/>
+          </a:fillRef>
+          <a:effectRef idx="0">
+            <a:schemeClr val="dk1"/>
+          </a:effectRef>
+          <a:fontRef idx="minor">
+            <a:schemeClr val="tx1"/>
+          </a:fontRef>
+        </p:style>
+      </p:cxnSp>
+      <p:cxnSp>
+        <p:nvCxnSpPr>
+          <p:cNvPr id="43" name="직선 화살표 연결선 42">
+            <a:extLst>
+              <a:ext uri="{FF2B5EF4-FFF2-40B4-BE49-F238E27FC236}">
+                <a16:creationId xmlns:a16="http://schemas.microsoft.com/office/drawing/2014/main" id="{758CFE79-8801-41D3-81B3-801F40F4DA6A}"/>
+              </a:ext>
+            </a:extLst>
+          </p:cNvPr>
+          <p:cNvCxnSpPr>
+            <a:cxnSpLocks/>
+            <a:stCxn id="51" idx="1"/>
+            <a:endCxn id="51" idx="3"/>
+          </p:cNvCxnSpPr>
+          <p:nvPr/>
+        </p:nvCxnSpPr>
+        <p:spPr>
+          <a:xfrm>
+            <a:off x="5153388" y="3867896"/>
+            <a:ext cx="2670147" cy="0"/>
+          </a:xfrm>
+          <a:prstGeom prst="straightConnector1">
+            <a:avLst/>
+          </a:prstGeom>
+          <a:ln w="28575">
+            <a:solidFill>
+              <a:schemeClr val="tx2"/>
+            </a:solidFill>
+            <a:tailEnd type="arrow"/>
+          </a:ln>
+        </p:spPr>
+        <p:style>
+          <a:lnRef idx="1">
+            <a:schemeClr val="dk1"/>
+          </a:lnRef>
+          <a:fillRef idx="0">
+            <a:schemeClr val="dk1"/>
+          </a:fillRef>
+          <a:effectRef idx="0">
+            <a:schemeClr val="dk1"/>
+          </a:effectRef>
+          <a:fontRef idx="minor">
+            <a:schemeClr val="tx1"/>
+          </a:fontRef>
+        </p:style>
+      </p:cxnSp>
+      <p:cxnSp>
+        <p:nvCxnSpPr>
+          <p:cNvPr id="63" name="직선 화살표 연결선 62">
+            <a:extLst>
+              <a:ext uri="{FF2B5EF4-FFF2-40B4-BE49-F238E27FC236}">
+                <a16:creationId xmlns:a16="http://schemas.microsoft.com/office/drawing/2014/main" id="{00EFBD6A-6BA3-46FA-BE80-9E33EF0B2C6B}"/>
+              </a:ext>
+            </a:extLst>
+          </p:cNvPr>
+          <p:cNvCxnSpPr>
+            <a:cxnSpLocks/>
+            <a:stCxn id="69" idx="3"/>
+            <a:endCxn id="51" idx="1"/>
+          </p:cNvCxnSpPr>
+          <p:nvPr/>
+        </p:nvCxnSpPr>
+        <p:spPr>
+          <a:xfrm>
+            <a:off x="3944866" y="3867896"/>
+            <a:ext cx="1208522" cy="0"/>
+          </a:xfrm>
+          <a:prstGeom prst="straightConnector1">
+            <a:avLst/>
+          </a:prstGeom>
+          <a:ln w="28575">
+            <a:solidFill>
+              <a:schemeClr val="tx2"/>
+            </a:solidFill>
+            <a:tailEnd type="arrow"/>
+          </a:ln>
+        </p:spPr>
+        <p:style>
+          <a:lnRef idx="1">
+            <a:schemeClr val="dk1"/>
+          </a:lnRef>
+          <a:fillRef idx="0">
+            <a:schemeClr val="dk1"/>
+          </a:fillRef>
+          <a:effectRef idx="0">
+            <a:schemeClr val="dk1"/>
+          </a:effectRef>
+          <a:fontRef idx="minor">
+            <a:schemeClr val="tx1"/>
+          </a:fontRef>
+        </p:style>
+      </p:cxnSp>
+      <p:cxnSp>
+        <p:nvCxnSpPr>
+          <p:cNvPr id="54" name="직선 화살표 연결선 53">
+            <a:extLst>
+              <a:ext uri="{FF2B5EF4-FFF2-40B4-BE49-F238E27FC236}">
+                <a16:creationId xmlns:a16="http://schemas.microsoft.com/office/drawing/2014/main" id="{B45A408D-E1D7-4B42-A937-E1E6DF0849A5}"/>
+              </a:ext>
+            </a:extLst>
+          </p:cNvPr>
+          <p:cNvCxnSpPr>
+            <a:cxnSpLocks/>
+            <a:stCxn id="69" idx="3"/>
+            <a:endCxn id="88" idx="1"/>
+          </p:cNvCxnSpPr>
+          <p:nvPr/>
+        </p:nvCxnSpPr>
+        <p:spPr>
+          <a:xfrm flipV="1">
+            <a:off x="3944866" y="2717707"/>
+            <a:ext cx="4245367" cy="1150189"/>
           </a:xfrm>
           <a:prstGeom prst="straightConnector1">
             <a:avLst/>
@@ -5221,7 +5452,7 @@
             <a:pPr algn="ctr"/>
             <a:r>
               <a:rPr lang="en-US" altLang="ko-KR" sz="1400" b="1"/>
-              <a:t>RabbitMQ - Disk</a:t>
+              <a:t>RabbitMQ A - Disk</a:t>
             </a:r>
             <a:endParaRPr lang="ko-KR" altLang="en-US" sz="1400" b="1" dirty="0"/>
           </a:p>
@@ -5490,7 +5721,7 @@
             <a:pPr algn="ctr"/>
             <a:r>
               <a:rPr lang="en-US" altLang="ko-KR" sz="1400" b="1"/>
-              <a:t>RabbitMQ - RAM</a:t>
+              <a:t>RabbitMQ C - RAM</a:t>
             </a:r>
             <a:endParaRPr lang="ko-KR" altLang="en-US" sz="1400" b="1" dirty="0"/>
           </a:p>
@@ -5605,14 +5836,15 @@
           </p:cNvPr>
           <p:cNvCxnSpPr>
             <a:cxnSpLocks/>
+            <a:stCxn id="69" idx="3"/>
             <a:endCxn id="88" idx="1"/>
           </p:cNvCxnSpPr>
           <p:nvPr/>
         </p:nvCxnSpPr>
         <p:spPr>
           <a:xfrm flipV="1">
-            <a:off x="3817244" y="2717707"/>
-            <a:ext cx="4444997" cy="1445302"/>
+            <a:off x="3944866" y="2717707"/>
+            <a:ext cx="4245367" cy="1150189"/>
           </a:xfrm>
           <a:prstGeom prst="straightConnector1">
             <a:avLst/>
@@ -5750,7 +5982,7 @@
         <p:spPr>
           <a:xfrm>
             <a:off x="70072" y="2466137"/>
-            <a:ext cx="774255" cy="502462"/>
+            <a:ext cx="811687" cy="502462"/>
           </a:xfrm>
           <a:prstGeom prst="roundRect">
             <a:avLst/>
@@ -5782,7 +6014,7 @@
             <a:pPr algn="ctr"/>
             <a:r>
               <a:rPr lang="en-US" altLang="ko-KR" sz="1600"/>
-              <a:t>Pub</a:t>
+              <a:t>Pub A</a:t>
             </a:r>
             <a:endParaRPr lang="ko-KR" altLang="en-US" sz="1600" dirty="0"/>
           </a:p>
@@ -5832,7 +6064,7 @@
             <a:pPr algn="ctr"/>
             <a:r>
               <a:rPr lang="en-US" altLang="ko-KR" sz="1400" b="1"/>
-              <a:t>RabbitMQ - RAM</a:t>
+              <a:t>RabbitMQ B - RAM</a:t>
             </a:r>
             <a:endParaRPr lang="ko-KR" altLang="en-US" sz="1400" b="1" dirty="0"/>
           </a:p>
@@ -5948,14 +6180,14 @@
           <p:cNvCxnSpPr>
             <a:cxnSpLocks/>
             <a:stCxn id="68" idx="3"/>
-            <a:endCxn id="71" idx="1"/>
+            <a:endCxn id="69" idx="1"/>
           </p:cNvCxnSpPr>
           <p:nvPr/>
         </p:nvCxnSpPr>
         <p:spPr>
           <a:xfrm>
-            <a:off x="844327" y="2717368"/>
-            <a:ext cx="522400" cy="611637"/>
+            <a:off x="881759" y="2717368"/>
+            <a:ext cx="392960" cy="1150528"/>
           </a:xfrm>
           <a:prstGeom prst="straightConnector1">
             <a:avLst/>
@@ -6130,14 +6362,14 @@
           <p:cNvCxnSpPr>
             <a:cxnSpLocks/>
             <a:stCxn id="78" idx="3"/>
-            <a:endCxn id="89" idx="1"/>
+            <a:endCxn id="69" idx="3"/>
           </p:cNvCxnSpPr>
           <p:nvPr/>
         </p:nvCxnSpPr>
         <p:spPr>
           <a:xfrm flipV="1">
-            <a:off x="3806977" y="3905080"/>
-            <a:ext cx="4455264" cy="276263"/>
+            <a:off x="3806977" y="3867896"/>
+            <a:ext cx="137889" cy="313447"/>
           </a:xfrm>
           <a:prstGeom prst="straightConnector1">
             <a:avLst/>
@@ -6503,8 +6735,8 @@
         </p:nvSpPr>
         <p:spPr>
           <a:xfrm>
-            <a:off x="8262241" y="1275606"/>
-            <a:ext cx="774255" cy="502462"/>
+            <a:off x="8190233" y="1275606"/>
+            <a:ext cx="846263" cy="502462"/>
           </a:xfrm>
           <a:prstGeom prst="roundRect">
             <a:avLst/>
@@ -6536,7 +6768,7 @@
             <a:pPr algn="ctr"/>
             <a:r>
               <a:rPr lang="en-US" altLang="ko-KR" sz="1600"/>
-              <a:t>Sub</a:t>
+              <a:t>Sub A</a:t>
             </a:r>
             <a:endParaRPr lang="ko-KR" altLang="en-US" sz="1600" dirty="0"/>
           </a:p>
@@ -6556,8 +6788,8 @@
         </p:nvSpPr>
         <p:spPr>
           <a:xfrm>
-            <a:off x="8262241" y="2466476"/>
-            <a:ext cx="774255" cy="502462"/>
+            <a:off x="8190233" y="2466476"/>
+            <a:ext cx="846263" cy="502462"/>
           </a:xfrm>
           <a:prstGeom prst="roundRect">
             <a:avLst/>
@@ -6589,7 +6821,7 @@
             <a:pPr algn="ctr"/>
             <a:r>
               <a:rPr lang="en-US" altLang="ko-KR" sz="1600"/>
-              <a:t>Sub</a:t>
+              <a:t>Sub B</a:t>
             </a:r>
             <a:endParaRPr lang="ko-KR" altLang="en-US" sz="1600" dirty="0"/>
           </a:p>
@@ -6609,8 +6841,8 @@
         </p:nvSpPr>
         <p:spPr>
           <a:xfrm>
-            <a:off x="8262241" y="3653849"/>
-            <a:ext cx="774255" cy="502462"/>
+            <a:off x="8184987" y="3653849"/>
+            <a:ext cx="851510" cy="502462"/>
           </a:xfrm>
           <a:prstGeom prst="roundRect">
             <a:avLst/>
@@ -6642,7 +6874,7 @@
             <a:pPr algn="ctr"/>
             <a:r>
               <a:rPr lang="en-US" altLang="ko-KR" sz="1600"/>
-              <a:t>Sub</a:t>
+              <a:t>Sub C</a:t>
             </a:r>
             <a:endParaRPr lang="ko-KR" altLang="en-US" sz="1600" dirty="0"/>
           </a:p>
@@ -6836,14 +7068,14 @@
           <p:cNvCxnSpPr>
             <a:cxnSpLocks/>
             <a:stCxn id="15" idx="3"/>
-            <a:endCxn id="83" idx="1"/>
+            <a:endCxn id="8" idx="3"/>
           </p:cNvCxnSpPr>
           <p:nvPr/>
         </p:nvCxnSpPr>
         <p:spPr>
           <a:xfrm>
             <a:off x="5694839" y="1096758"/>
-            <a:ext cx="2567402" cy="430079"/>
+            <a:ext cx="137889" cy="538890"/>
           </a:xfrm>
           <a:prstGeom prst="straightConnector1">
             <a:avLst/>
@@ -6962,6 +7194,236 @@
           </a:p>
         </p:txBody>
       </p:sp>
+      <p:cxnSp>
+        <p:nvCxnSpPr>
+          <p:cNvPr id="41" name="직선 화살표 연결선 40">
+            <a:extLst>
+              <a:ext uri="{FF2B5EF4-FFF2-40B4-BE49-F238E27FC236}">
+                <a16:creationId xmlns:a16="http://schemas.microsoft.com/office/drawing/2014/main" id="{E7661F73-0EA3-4DFA-BAF5-506D7CC14684}"/>
+              </a:ext>
+            </a:extLst>
+          </p:cNvPr>
+          <p:cNvCxnSpPr>
+            <a:cxnSpLocks/>
+            <a:stCxn id="8" idx="3"/>
+            <a:endCxn id="83" idx="1"/>
+          </p:cNvCxnSpPr>
+          <p:nvPr/>
+        </p:nvCxnSpPr>
+        <p:spPr>
+          <a:xfrm flipV="1">
+            <a:off x="5832728" y="1526837"/>
+            <a:ext cx="2357505" cy="108811"/>
+          </a:xfrm>
+          <a:prstGeom prst="straightConnector1">
+            <a:avLst/>
+          </a:prstGeom>
+          <a:ln w="28575">
+            <a:solidFill>
+              <a:schemeClr val="tx2"/>
+            </a:solidFill>
+            <a:tailEnd type="arrow"/>
+          </a:ln>
+        </p:spPr>
+        <p:style>
+          <a:lnRef idx="1">
+            <a:schemeClr val="dk1"/>
+          </a:lnRef>
+          <a:fillRef idx="0">
+            <a:schemeClr val="dk1"/>
+          </a:fillRef>
+          <a:effectRef idx="0">
+            <a:schemeClr val="dk1"/>
+          </a:effectRef>
+          <a:fontRef idx="minor">
+            <a:schemeClr val="tx1"/>
+          </a:fontRef>
+        </p:style>
+      </p:cxnSp>
+      <p:cxnSp>
+        <p:nvCxnSpPr>
+          <p:cNvPr id="46" name="직선 화살표 연결선 45">
+            <a:extLst>
+              <a:ext uri="{FF2B5EF4-FFF2-40B4-BE49-F238E27FC236}">
+                <a16:creationId xmlns:a16="http://schemas.microsoft.com/office/drawing/2014/main" id="{05B19250-A6CD-4B10-8022-4BAD35334B58}"/>
+              </a:ext>
+            </a:extLst>
+          </p:cNvPr>
+          <p:cNvCxnSpPr>
+            <a:cxnSpLocks/>
+            <a:stCxn id="69" idx="1"/>
+            <a:endCxn id="71" idx="1"/>
+          </p:cNvCxnSpPr>
+          <p:nvPr/>
+        </p:nvCxnSpPr>
+        <p:spPr>
+          <a:xfrm flipV="1">
+            <a:off x="1274719" y="3329005"/>
+            <a:ext cx="92008" cy="538891"/>
+          </a:xfrm>
+          <a:prstGeom prst="straightConnector1">
+            <a:avLst/>
+          </a:prstGeom>
+          <a:ln w="28575">
+            <a:solidFill>
+              <a:srgbClr val="C00000"/>
+            </a:solidFill>
+            <a:tailEnd type="arrow"/>
+          </a:ln>
+        </p:spPr>
+        <p:style>
+          <a:lnRef idx="1">
+            <a:schemeClr val="dk1"/>
+          </a:lnRef>
+          <a:fillRef idx="0">
+            <a:schemeClr val="dk1"/>
+          </a:fillRef>
+          <a:effectRef idx="0">
+            <a:schemeClr val="dk1"/>
+          </a:effectRef>
+          <a:fontRef idx="minor">
+            <a:schemeClr val="tx1"/>
+          </a:fontRef>
+        </p:style>
+      </p:cxnSp>
+      <p:cxnSp>
+        <p:nvCxnSpPr>
+          <p:cNvPr id="50" name="직선 화살표 연결선 49">
+            <a:extLst>
+              <a:ext uri="{FF2B5EF4-FFF2-40B4-BE49-F238E27FC236}">
+                <a16:creationId xmlns:a16="http://schemas.microsoft.com/office/drawing/2014/main" id="{43733B2F-41BB-44C4-90C7-B43D84D690FC}"/>
+              </a:ext>
+            </a:extLst>
+          </p:cNvPr>
+          <p:cNvCxnSpPr>
+            <a:cxnSpLocks/>
+            <a:stCxn id="51" idx="1"/>
+            <a:endCxn id="51" idx="3"/>
+          </p:cNvCxnSpPr>
+          <p:nvPr/>
+        </p:nvCxnSpPr>
+        <p:spPr>
+          <a:xfrm>
+            <a:off x="5153388" y="3867896"/>
+            <a:ext cx="2670147" cy="0"/>
+          </a:xfrm>
+          <a:prstGeom prst="straightConnector1">
+            <a:avLst/>
+          </a:prstGeom>
+          <a:ln w="28575">
+            <a:solidFill>
+              <a:schemeClr val="tx2"/>
+            </a:solidFill>
+            <a:tailEnd type="arrow"/>
+          </a:ln>
+        </p:spPr>
+        <p:style>
+          <a:lnRef idx="1">
+            <a:schemeClr val="dk1"/>
+          </a:lnRef>
+          <a:fillRef idx="0">
+            <a:schemeClr val="dk1"/>
+          </a:fillRef>
+          <a:effectRef idx="0">
+            <a:schemeClr val="dk1"/>
+          </a:effectRef>
+          <a:fontRef idx="minor">
+            <a:schemeClr val="tx1"/>
+          </a:fontRef>
+        </p:style>
+      </p:cxnSp>
+      <p:cxnSp>
+        <p:nvCxnSpPr>
+          <p:cNvPr id="54" name="직선 화살표 연결선 53">
+            <a:extLst>
+              <a:ext uri="{FF2B5EF4-FFF2-40B4-BE49-F238E27FC236}">
+                <a16:creationId xmlns:a16="http://schemas.microsoft.com/office/drawing/2014/main" id="{C21A41D0-2BDB-4617-8015-C4321E6E0DE9}"/>
+              </a:ext>
+            </a:extLst>
+          </p:cNvPr>
+          <p:cNvCxnSpPr>
+            <a:cxnSpLocks/>
+            <a:stCxn id="51" idx="3"/>
+            <a:endCxn id="89" idx="1"/>
+          </p:cNvCxnSpPr>
+          <p:nvPr/>
+        </p:nvCxnSpPr>
+        <p:spPr>
+          <a:xfrm>
+            <a:off x="7823535" y="3867896"/>
+            <a:ext cx="361452" cy="37184"/>
+          </a:xfrm>
+          <a:prstGeom prst="straightConnector1">
+            <a:avLst/>
+          </a:prstGeom>
+          <a:ln w="28575">
+            <a:solidFill>
+              <a:schemeClr val="tx2"/>
+            </a:solidFill>
+            <a:tailEnd type="arrow"/>
+          </a:ln>
+        </p:spPr>
+        <p:style>
+          <a:lnRef idx="1">
+            <a:schemeClr val="dk1"/>
+          </a:lnRef>
+          <a:fillRef idx="0">
+            <a:schemeClr val="dk1"/>
+          </a:fillRef>
+          <a:effectRef idx="0">
+            <a:schemeClr val="dk1"/>
+          </a:effectRef>
+          <a:fontRef idx="minor">
+            <a:schemeClr val="tx1"/>
+          </a:fontRef>
+        </p:style>
+      </p:cxnSp>
+      <p:cxnSp>
+        <p:nvCxnSpPr>
+          <p:cNvPr id="58" name="직선 화살표 연결선 57">
+            <a:extLst>
+              <a:ext uri="{FF2B5EF4-FFF2-40B4-BE49-F238E27FC236}">
+                <a16:creationId xmlns:a16="http://schemas.microsoft.com/office/drawing/2014/main" id="{AE5173C1-C81A-4CE2-ABF3-E0792AC415BB}"/>
+              </a:ext>
+            </a:extLst>
+          </p:cNvPr>
+          <p:cNvCxnSpPr>
+            <a:cxnSpLocks/>
+            <a:stCxn id="69" idx="3"/>
+            <a:endCxn id="51" idx="1"/>
+          </p:cNvCxnSpPr>
+          <p:nvPr/>
+        </p:nvCxnSpPr>
+        <p:spPr>
+          <a:xfrm>
+            <a:off x="3944866" y="3867896"/>
+            <a:ext cx="1208522" cy="0"/>
+          </a:xfrm>
+          <a:prstGeom prst="straightConnector1">
+            <a:avLst/>
+          </a:prstGeom>
+          <a:ln w="28575">
+            <a:solidFill>
+              <a:schemeClr val="tx2"/>
+            </a:solidFill>
+            <a:tailEnd type="arrow"/>
+          </a:ln>
+        </p:spPr>
+        <p:style>
+          <a:lnRef idx="1">
+            <a:schemeClr val="dk1"/>
+          </a:lnRef>
+          <a:fillRef idx="0">
+            <a:schemeClr val="dk1"/>
+          </a:fillRef>
+          <a:effectRef idx="0">
+            <a:schemeClr val="dk1"/>
+          </a:effectRef>
+          <a:fontRef idx="minor">
+            <a:schemeClr val="tx1"/>
+          </a:fontRef>
+        </p:style>
+      </p:cxnSp>
     </p:spTree>
     <p:extLst>
       <p:ext uri="{BB962C8B-B14F-4D97-AF65-F5344CB8AC3E}">

--- a/images/theory_analysis/RabbitMQ_Clustering_Mirroring/RabbitMQ_Clustering_Mirroring.pptx
+++ b/images/theory_analysis/RabbitMQ_Clustering_Mirroring/RabbitMQ_Clustering_Mirroring.pptx
@@ -217,7 +217,7 @@
           <a:p>
             <a:fld id="{6CD5550B-26C4-49A9-A5BA-636EF7BE6CE9}" type="datetimeFigureOut">
               <a:rPr lang="ko-KR" altLang="en-US" smtClean="0"/>
-              <a:t>2019-03-08</a:t>
+              <a:t>2019-03-09</a:t>
             </a:fld>
             <a:endParaRPr lang="ko-KR" altLang="en-US"/>
           </a:p>
@@ -1063,7 +1063,7 @@
           <a:p>
             <a:fld id="{FB30EDBD-1C2D-4C1E-B459-B60219FAB484}" type="datetimeFigureOut">
               <a:rPr lang="ko-KR" altLang="en-US" smtClean="0"/>
-              <a:t>2019-03-08</a:t>
+              <a:t>2019-03-09</a:t>
             </a:fld>
             <a:endParaRPr lang="ko-KR" altLang="en-US"/>
           </a:p>
@@ -1226,7 +1226,7 @@
           <a:p>
             <a:fld id="{FB30EDBD-1C2D-4C1E-B459-B60219FAB484}" type="datetimeFigureOut">
               <a:rPr lang="ko-KR" altLang="en-US" smtClean="0"/>
-              <a:t>2019-03-08</a:t>
+              <a:t>2019-03-09</a:t>
             </a:fld>
             <a:endParaRPr lang="ko-KR" altLang="en-US"/>
           </a:p>
@@ -1399,7 +1399,7 @@
           <a:p>
             <a:fld id="{FB30EDBD-1C2D-4C1E-B459-B60219FAB484}" type="datetimeFigureOut">
               <a:rPr lang="ko-KR" altLang="en-US" smtClean="0"/>
-              <a:t>2019-03-08</a:t>
+              <a:t>2019-03-09</a:t>
             </a:fld>
             <a:endParaRPr lang="ko-KR" altLang="en-US"/>
           </a:p>
@@ -1562,7 +1562,7 @@
           <a:p>
             <a:fld id="{FB30EDBD-1C2D-4C1E-B459-B60219FAB484}" type="datetimeFigureOut">
               <a:rPr lang="ko-KR" altLang="en-US" smtClean="0"/>
-              <a:t>2019-03-08</a:t>
+              <a:t>2019-03-09</a:t>
             </a:fld>
             <a:endParaRPr lang="ko-KR" altLang="en-US"/>
           </a:p>
@@ -1802,7 +1802,7 @@
           <a:p>
             <a:fld id="{FB30EDBD-1C2D-4C1E-B459-B60219FAB484}" type="datetimeFigureOut">
               <a:rPr lang="ko-KR" altLang="en-US" smtClean="0"/>
-              <a:t>2019-03-08</a:t>
+              <a:t>2019-03-09</a:t>
             </a:fld>
             <a:endParaRPr lang="ko-KR" altLang="en-US"/>
           </a:p>
@@ -2082,7 +2082,7 @@
           <a:p>
             <a:fld id="{FB30EDBD-1C2D-4C1E-B459-B60219FAB484}" type="datetimeFigureOut">
               <a:rPr lang="ko-KR" altLang="en-US" smtClean="0"/>
-              <a:t>2019-03-08</a:t>
+              <a:t>2019-03-09</a:t>
             </a:fld>
             <a:endParaRPr lang="ko-KR" altLang="en-US"/>
           </a:p>
@@ -2496,7 +2496,7 @@
           <a:p>
             <a:fld id="{FB30EDBD-1C2D-4C1E-B459-B60219FAB484}" type="datetimeFigureOut">
               <a:rPr lang="ko-KR" altLang="en-US" smtClean="0"/>
-              <a:t>2019-03-08</a:t>
+              <a:t>2019-03-09</a:t>
             </a:fld>
             <a:endParaRPr lang="ko-KR" altLang="en-US"/>
           </a:p>
@@ -2608,7 +2608,7 @@
           <a:p>
             <a:fld id="{FB30EDBD-1C2D-4C1E-B459-B60219FAB484}" type="datetimeFigureOut">
               <a:rPr lang="ko-KR" altLang="en-US" smtClean="0"/>
-              <a:t>2019-03-08</a:t>
+              <a:t>2019-03-09</a:t>
             </a:fld>
             <a:endParaRPr lang="ko-KR" altLang="en-US"/>
           </a:p>
@@ -2698,7 +2698,7 @@
           <a:p>
             <a:fld id="{FB30EDBD-1C2D-4C1E-B459-B60219FAB484}" type="datetimeFigureOut">
               <a:rPr lang="ko-KR" altLang="en-US" smtClean="0"/>
-              <a:t>2019-03-08</a:t>
+              <a:t>2019-03-09</a:t>
             </a:fld>
             <a:endParaRPr lang="ko-KR" altLang="en-US"/>
           </a:p>
@@ -2968,7 +2968,7 @@
           <a:p>
             <a:fld id="{FB30EDBD-1C2D-4C1E-B459-B60219FAB484}" type="datetimeFigureOut">
               <a:rPr lang="ko-KR" altLang="en-US" smtClean="0"/>
-              <a:t>2019-03-08</a:t>
+              <a:t>2019-03-09</a:t>
             </a:fld>
             <a:endParaRPr lang="ko-KR" altLang="en-US"/>
           </a:p>
@@ -3215,7 +3215,7 @@
           <a:p>
             <a:fld id="{FB30EDBD-1C2D-4C1E-B459-B60219FAB484}" type="datetimeFigureOut">
               <a:rPr lang="ko-KR" altLang="en-US" smtClean="0"/>
-              <a:t>2019-03-08</a:t>
+              <a:t>2019-03-09</a:t>
             </a:fld>
             <a:endParaRPr lang="ko-KR" altLang="en-US"/>
           </a:p>
@@ -3421,7 +3421,7 @@
           <a:p>
             <a:fld id="{FB30EDBD-1C2D-4C1E-B459-B60219FAB484}" type="datetimeFigureOut">
               <a:rPr lang="ko-KR" altLang="en-US" smtClean="0"/>
-              <a:t>2019-03-08</a:t>
+              <a:t>2019-03-09</a:t>
             </a:fld>
             <a:endParaRPr lang="ko-KR" altLang="en-US"/>
           </a:p>
@@ -5825,52 +5825,6 @@
           </a:p>
         </p:txBody>
       </p:sp>
-      <p:cxnSp>
-        <p:nvCxnSpPr>
-          <p:cNvPr id="63" name="직선 화살표 연결선 62">
-            <a:extLst>
-              <a:ext uri="{FF2B5EF4-FFF2-40B4-BE49-F238E27FC236}">
-                <a16:creationId xmlns:a16="http://schemas.microsoft.com/office/drawing/2014/main" id="{00EFBD6A-6BA3-46FA-BE80-9E33EF0B2C6B}"/>
-              </a:ext>
-            </a:extLst>
-          </p:cNvPr>
-          <p:cNvCxnSpPr>
-            <a:cxnSpLocks/>
-            <a:stCxn id="69" idx="3"/>
-            <a:endCxn id="88" idx="1"/>
-          </p:cNvCxnSpPr>
-          <p:nvPr/>
-        </p:nvCxnSpPr>
-        <p:spPr>
-          <a:xfrm flipV="1">
-            <a:off x="3944866" y="2717707"/>
-            <a:ext cx="4245367" cy="1150189"/>
-          </a:xfrm>
-          <a:prstGeom prst="straightConnector1">
-            <a:avLst/>
-          </a:prstGeom>
-          <a:ln w="28575">
-            <a:solidFill>
-              <a:schemeClr val="tx2"/>
-            </a:solidFill>
-            <a:tailEnd type="arrow"/>
-          </a:ln>
-        </p:spPr>
-        <p:style>
-          <a:lnRef idx="1">
-            <a:schemeClr val="dk1"/>
-          </a:lnRef>
-          <a:fillRef idx="0">
-            <a:schemeClr val="dk1"/>
-          </a:fillRef>
-          <a:effectRef idx="0">
-            <a:schemeClr val="dk1"/>
-          </a:effectRef>
-          <a:fontRef idx="minor">
-            <a:schemeClr val="tx1"/>
-          </a:fontRef>
-        </p:style>
-      </p:cxnSp>
       <p:sp>
         <p:nvSpPr>
           <p:cNvPr id="66" name="직사각형 65">
@@ -7163,7 +7117,7 @@
         </p:nvSpPr>
         <p:spPr>
           <a:xfrm>
-            <a:off x="3707904" y="1822053"/>
+            <a:off x="4367980" y="1635646"/>
             <a:ext cx="1428156" cy="461665"/>
           </a:xfrm>
           <a:prstGeom prst="rect">
@@ -7418,6 +7372,246 @@
           </a:fillRef>
           <a:effectRef idx="0">
             <a:schemeClr val="dk1"/>
+          </a:effectRef>
+          <a:fontRef idx="minor">
+            <a:schemeClr val="tx1"/>
+          </a:fontRef>
+        </p:style>
+      </p:cxnSp>
+      <p:sp>
+        <p:nvSpPr>
+          <p:cNvPr id="47" name="모서리가 둥근 직사각형 35">
+            <a:extLst>
+              <a:ext uri="{FF2B5EF4-FFF2-40B4-BE49-F238E27FC236}">
+                <a16:creationId xmlns:a16="http://schemas.microsoft.com/office/drawing/2014/main" id="{DCAD3521-C382-46FD-80E9-041303335C4C}"/>
+              </a:ext>
+            </a:extLst>
+          </p:cNvPr>
+          <p:cNvSpPr/>
+          <p:nvPr/>
+        </p:nvSpPr>
+        <p:spPr>
+          <a:xfrm>
+            <a:off x="6440243" y="2968599"/>
+            <a:ext cx="1245403" cy="720815"/>
+          </a:xfrm>
+          <a:prstGeom prst="roundRect">
+            <a:avLst>
+              <a:gd name="adj" fmla="val 9205"/>
+            </a:avLst>
+          </a:prstGeom>
+        </p:spPr>
+        <p:style>
+          <a:lnRef idx="2">
+            <a:schemeClr val="dk1"/>
+          </a:lnRef>
+          <a:fillRef idx="1">
+            <a:schemeClr val="lt1"/>
+          </a:fillRef>
+          <a:effectRef idx="0">
+            <a:schemeClr val="dk1"/>
+          </a:effectRef>
+          <a:fontRef idx="minor">
+            <a:schemeClr val="dk1"/>
+          </a:fontRef>
+        </p:style>
+        <p:txBody>
+          <a:bodyPr rtlCol="0" anchor="b"/>
+          <a:lstStyle/>
+          <a:p>
+            <a:pPr algn="ctr"/>
+            <a:r>
+              <a:rPr lang="en-US" altLang="ko-KR" sz="1050"/>
+              <a:t>Queue A Slave</a:t>
+            </a:r>
+            <a:endParaRPr lang="ko-KR" altLang="en-US" sz="1050" dirty="0"/>
+          </a:p>
+        </p:txBody>
+      </p:sp>
+      <p:sp>
+        <p:nvSpPr>
+          <p:cNvPr id="48" name="직사각형 47">
+            <a:extLst>
+              <a:ext uri="{FF2B5EF4-FFF2-40B4-BE49-F238E27FC236}">
+                <a16:creationId xmlns:a16="http://schemas.microsoft.com/office/drawing/2014/main" id="{BD478F7A-BBA2-4B4D-B9AC-2A79E3254FA2}"/>
+              </a:ext>
+            </a:extLst>
+          </p:cNvPr>
+          <p:cNvSpPr/>
+          <p:nvPr/>
+        </p:nvSpPr>
+        <p:spPr>
+          <a:xfrm>
+            <a:off x="6552904" y="3076192"/>
+            <a:ext cx="504056" cy="324722"/>
+          </a:xfrm>
+          <a:prstGeom prst="rect">
+            <a:avLst/>
+          </a:prstGeom>
+        </p:spPr>
+        <p:style>
+          <a:lnRef idx="2">
+            <a:schemeClr val="dk1"/>
+          </a:lnRef>
+          <a:fillRef idx="1">
+            <a:schemeClr val="lt1"/>
+          </a:fillRef>
+          <a:effectRef idx="0">
+            <a:schemeClr val="dk1"/>
+          </a:effectRef>
+          <a:fontRef idx="minor">
+            <a:schemeClr val="dk1"/>
+          </a:fontRef>
+        </p:style>
+        <p:txBody>
+          <a:bodyPr rtlCol="0" anchor="ctr"/>
+          <a:lstStyle/>
+          <a:p>
+            <a:pPr algn="ctr"/>
+            <a:r>
+              <a:rPr lang="en-US" altLang="ko-KR" sz="1050"/>
+              <a:t>Msg A</a:t>
+            </a:r>
+            <a:endParaRPr lang="ko-KR" altLang="en-US" sz="1200"/>
+          </a:p>
+        </p:txBody>
+      </p:sp>
+      <p:cxnSp>
+        <p:nvCxnSpPr>
+          <p:cNvPr id="63" name="직선 화살표 연결선 62">
+            <a:extLst>
+              <a:ext uri="{FF2B5EF4-FFF2-40B4-BE49-F238E27FC236}">
+                <a16:creationId xmlns:a16="http://schemas.microsoft.com/office/drawing/2014/main" id="{00EFBD6A-6BA3-46FA-BE80-9E33EF0B2C6B}"/>
+              </a:ext>
+            </a:extLst>
+          </p:cNvPr>
+          <p:cNvCxnSpPr>
+            <a:cxnSpLocks/>
+            <a:stCxn id="69" idx="3"/>
+            <a:endCxn id="88" idx="1"/>
+          </p:cNvCxnSpPr>
+          <p:nvPr/>
+        </p:nvCxnSpPr>
+        <p:spPr>
+          <a:xfrm flipV="1">
+            <a:off x="3944866" y="2717707"/>
+            <a:ext cx="4245367" cy="1150189"/>
+          </a:xfrm>
+          <a:prstGeom prst="straightConnector1">
+            <a:avLst/>
+          </a:prstGeom>
+          <a:ln w="28575">
+            <a:solidFill>
+              <a:schemeClr val="tx2"/>
+            </a:solidFill>
+            <a:tailEnd type="arrow"/>
+          </a:ln>
+        </p:spPr>
+        <p:style>
+          <a:lnRef idx="1">
+            <a:schemeClr val="dk1"/>
+          </a:lnRef>
+          <a:fillRef idx="0">
+            <a:schemeClr val="dk1"/>
+          </a:fillRef>
+          <a:effectRef idx="0">
+            <a:schemeClr val="dk1"/>
+          </a:effectRef>
+          <a:fontRef idx="minor">
+            <a:schemeClr val="tx1"/>
+          </a:fontRef>
+        </p:style>
+      </p:cxnSp>
+      <p:sp>
+        <p:nvSpPr>
+          <p:cNvPr id="49" name="직사각형 48">
+            <a:extLst>
+              <a:ext uri="{FF2B5EF4-FFF2-40B4-BE49-F238E27FC236}">
+                <a16:creationId xmlns:a16="http://schemas.microsoft.com/office/drawing/2014/main" id="{16CE951B-0100-4D92-AC72-E861952C4D04}"/>
+              </a:ext>
+            </a:extLst>
+          </p:cNvPr>
+          <p:cNvSpPr/>
+          <p:nvPr/>
+        </p:nvSpPr>
+        <p:spPr>
+          <a:xfrm>
+            <a:off x="7052244" y="3076192"/>
+            <a:ext cx="504056" cy="324722"/>
+          </a:xfrm>
+          <a:prstGeom prst="rect">
+            <a:avLst/>
+          </a:prstGeom>
+        </p:spPr>
+        <p:style>
+          <a:lnRef idx="2">
+            <a:schemeClr val="dk1"/>
+          </a:lnRef>
+          <a:fillRef idx="1">
+            <a:schemeClr val="lt1"/>
+          </a:fillRef>
+          <a:effectRef idx="0">
+            <a:schemeClr val="dk1"/>
+          </a:effectRef>
+          <a:fontRef idx="minor">
+            <a:schemeClr val="dk1"/>
+          </a:fontRef>
+        </p:style>
+        <p:txBody>
+          <a:bodyPr rtlCol="0" anchor="ctr"/>
+          <a:lstStyle/>
+          <a:p>
+            <a:pPr algn="ctr"/>
+            <a:r>
+              <a:rPr lang="en-US" altLang="ko-KR" sz="1050"/>
+              <a:t>Msg B</a:t>
+            </a:r>
+            <a:endParaRPr lang="ko-KR" altLang="en-US" sz="1200"/>
+          </a:p>
+        </p:txBody>
+      </p:sp>
+      <p:cxnSp>
+        <p:nvCxnSpPr>
+          <p:cNvPr id="52" name="직선 화살표 연결선 51">
+            <a:extLst>
+              <a:ext uri="{FF2B5EF4-FFF2-40B4-BE49-F238E27FC236}">
+                <a16:creationId xmlns:a16="http://schemas.microsoft.com/office/drawing/2014/main" id="{EDFFD30D-8823-4CF5-B9D7-4E8DC3365962}"/>
+              </a:ext>
+            </a:extLst>
+          </p:cNvPr>
+          <p:cNvCxnSpPr>
+            <a:cxnSpLocks/>
+            <a:stCxn id="15" idx="2"/>
+            <a:endCxn id="47" idx="0"/>
+          </p:cNvCxnSpPr>
+          <p:nvPr/>
+        </p:nvCxnSpPr>
+        <p:spPr>
+          <a:xfrm>
+            <a:off x="5079632" y="1457164"/>
+            <a:ext cx="1983313" cy="1511435"/>
+          </a:xfrm>
+          <a:prstGeom prst="straightConnector1">
+            <a:avLst/>
+          </a:prstGeom>
+          <a:ln w="28575">
+            <a:solidFill>
+              <a:schemeClr val="accent3"/>
+            </a:solidFill>
+            <a:prstDash val="dash"/>
+            <a:headEnd type="none" w="med" len="med"/>
+            <a:tailEnd type="arrow" w="med" len="med"/>
+          </a:ln>
+        </p:spPr>
+        <p:style>
+          <a:lnRef idx="1">
+            <a:schemeClr val="accent1"/>
+          </a:lnRef>
+          <a:fillRef idx="0">
+            <a:schemeClr val="accent1"/>
+          </a:fillRef>
+          <a:effectRef idx="0">
+            <a:schemeClr val="accent1"/>
           </a:effectRef>
           <a:fontRef idx="minor">
             <a:schemeClr val="tx1"/>

--- a/images/theory_analysis/RabbitMQ_Clustering_Mirroring/RabbitMQ_Clustering_Mirroring.pptx
+++ b/images/theory_analysis/RabbitMQ_Clustering_Mirroring/RabbitMQ_Clustering_Mirroring.pptx
@@ -217,7 +217,7 @@
           <a:p>
             <a:fld id="{6CD5550B-26C4-49A9-A5BA-636EF7BE6CE9}" type="datetimeFigureOut">
               <a:rPr lang="ko-KR" altLang="en-US" smtClean="0"/>
-              <a:t>2019-03-09</a:t>
+              <a:t>2019-03-25</a:t>
             </a:fld>
             <a:endParaRPr lang="ko-KR" altLang="en-US"/>
           </a:p>
@@ -1063,7 +1063,7 @@
           <a:p>
             <a:fld id="{FB30EDBD-1C2D-4C1E-B459-B60219FAB484}" type="datetimeFigureOut">
               <a:rPr lang="ko-KR" altLang="en-US" smtClean="0"/>
-              <a:t>2019-03-09</a:t>
+              <a:t>2019-03-25</a:t>
             </a:fld>
             <a:endParaRPr lang="ko-KR" altLang="en-US"/>
           </a:p>
@@ -1226,7 +1226,7 @@
           <a:p>
             <a:fld id="{FB30EDBD-1C2D-4C1E-B459-B60219FAB484}" type="datetimeFigureOut">
               <a:rPr lang="ko-KR" altLang="en-US" smtClean="0"/>
-              <a:t>2019-03-09</a:t>
+              <a:t>2019-03-25</a:t>
             </a:fld>
             <a:endParaRPr lang="ko-KR" altLang="en-US"/>
           </a:p>
@@ -1399,7 +1399,7 @@
           <a:p>
             <a:fld id="{FB30EDBD-1C2D-4C1E-B459-B60219FAB484}" type="datetimeFigureOut">
               <a:rPr lang="ko-KR" altLang="en-US" smtClean="0"/>
-              <a:t>2019-03-09</a:t>
+              <a:t>2019-03-25</a:t>
             </a:fld>
             <a:endParaRPr lang="ko-KR" altLang="en-US"/>
           </a:p>
@@ -1562,7 +1562,7 @@
           <a:p>
             <a:fld id="{FB30EDBD-1C2D-4C1E-B459-B60219FAB484}" type="datetimeFigureOut">
               <a:rPr lang="ko-KR" altLang="en-US" smtClean="0"/>
-              <a:t>2019-03-09</a:t>
+              <a:t>2019-03-25</a:t>
             </a:fld>
             <a:endParaRPr lang="ko-KR" altLang="en-US"/>
           </a:p>
@@ -1802,7 +1802,7 @@
           <a:p>
             <a:fld id="{FB30EDBD-1C2D-4C1E-B459-B60219FAB484}" type="datetimeFigureOut">
               <a:rPr lang="ko-KR" altLang="en-US" smtClean="0"/>
-              <a:t>2019-03-09</a:t>
+              <a:t>2019-03-25</a:t>
             </a:fld>
             <a:endParaRPr lang="ko-KR" altLang="en-US"/>
           </a:p>
@@ -2082,7 +2082,7 @@
           <a:p>
             <a:fld id="{FB30EDBD-1C2D-4C1E-B459-B60219FAB484}" type="datetimeFigureOut">
               <a:rPr lang="ko-KR" altLang="en-US" smtClean="0"/>
-              <a:t>2019-03-09</a:t>
+              <a:t>2019-03-25</a:t>
             </a:fld>
             <a:endParaRPr lang="ko-KR" altLang="en-US"/>
           </a:p>
@@ -2496,7 +2496,7 @@
           <a:p>
             <a:fld id="{FB30EDBD-1C2D-4C1E-B459-B60219FAB484}" type="datetimeFigureOut">
               <a:rPr lang="ko-KR" altLang="en-US" smtClean="0"/>
-              <a:t>2019-03-09</a:t>
+              <a:t>2019-03-25</a:t>
             </a:fld>
             <a:endParaRPr lang="ko-KR" altLang="en-US"/>
           </a:p>
@@ -2608,7 +2608,7 @@
           <a:p>
             <a:fld id="{FB30EDBD-1C2D-4C1E-B459-B60219FAB484}" type="datetimeFigureOut">
               <a:rPr lang="ko-KR" altLang="en-US" smtClean="0"/>
-              <a:t>2019-03-09</a:t>
+              <a:t>2019-03-25</a:t>
             </a:fld>
             <a:endParaRPr lang="ko-KR" altLang="en-US"/>
           </a:p>
@@ -2698,7 +2698,7 @@
           <a:p>
             <a:fld id="{FB30EDBD-1C2D-4C1E-B459-B60219FAB484}" type="datetimeFigureOut">
               <a:rPr lang="ko-KR" altLang="en-US" smtClean="0"/>
-              <a:t>2019-03-09</a:t>
+              <a:t>2019-03-25</a:t>
             </a:fld>
             <a:endParaRPr lang="ko-KR" altLang="en-US"/>
           </a:p>
@@ -2968,7 +2968,7 @@
           <a:p>
             <a:fld id="{FB30EDBD-1C2D-4C1E-B459-B60219FAB484}" type="datetimeFigureOut">
               <a:rPr lang="ko-KR" altLang="en-US" smtClean="0"/>
-              <a:t>2019-03-09</a:t>
+              <a:t>2019-03-25</a:t>
             </a:fld>
             <a:endParaRPr lang="ko-KR" altLang="en-US"/>
           </a:p>
@@ -3215,7 +3215,7 @@
           <a:p>
             <a:fld id="{FB30EDBD-1C2D-4C1E-B459-B60219FAB484}" type="datetimeFigureOut">
               <a:rPr lang="ko-KR" altLang="en-US" smtClean="0"/>
-              <a:t>2019-03-09</a:t>
+              <a:t>2019-03-25</a:t>
             </a:fld>
             <a:endParaRPr lang="ko-KR" altLang="en-US"/>
           </a:p>
@@ -3421,7 +3421,7 @@
           <a:p>
             <a:fld id="{FB30EDBD-1C2D-4C1E-B459-B60219FAB484}" type="datetimeFigureOut">
               <a:rPr lang="ko-KR" altLang="en-US" smtClean="0"/>
-              <a:t>2019-03-09</a:t>
+              <a:t>2019-03-25</a:t>
             </a:fld>
             <a:endParaRPr lang="ko-KR" altLang="en-US"/>
           </a:p>
@@ -4229,7 +4229,7 @@
             <a:pPr algn="ctr"/>
             <a:r>
               <a:rPr lang="en-US" altLang="ko-KR" sz="1600"/>
-              <a:t>Pub A</a:t>
+              <a:t>Pro A</a:t>
             </a:r>
             <a:endParaRPr lang="ko-KR" altLang="en-US" sz="1600" dirty="0"/>
           </a:p>
@@ -4792,7 +4792,7 @@
             <a:pPr algn="ctr"/>
             <a:r>
               <a:rPr lang="en-US" altLang="ko-KR" sz="1600"/>
-              <a:t>Sub A</a:t>
+              <a:t>Con A</a:t>
             </a:r>
             <a:endParaRPr lang="ko-KR" altLang="en-US" sz="1600" dirty="0"/>
           </a:p>
@@ -4845,7 +4845,7 @@
             <a:pPr algn="ctr"/>
             <a:r>
               <a:rPr lang="en-US" altLang="ko-KR" sz="1600"/>
-              <a:t>Sub B</a:t>
+              <a:t>Con B</a:t>
             </a:r>
             <a:endParaRPr lang="ko-KR" altLang="en-US" sz="1600" dirty="0"/>
           </a:p>
@@ -4898,7 +4898,7 @@
             <a:pPr algn="ctr"/>
             <a:r>
               <a:rPr lang="en-US" altLang="ko-KR" sz="1600"/>
-              <a:t>Sub C</a:t>
+              <a:t>Con C</a:t>
             </a:r>
             <a:endParaRPr lang="ko-KR" altLang="en-US" sz="1600" dirty="0"/>
           </a:p>
@@ -5968,7 +5968,7 @@
             <a:pPr algn="ctr"/>
             <a:r>
               <a:rPr lang="en-US" altLang="ko-KR" sz="1600"/>
-              <a:t>Pub A</a:t>
+              <a:t>Pro A</a:t>
             </a:r>
             <a:endParaRPr lang="ko-KR" altLang="en-US" sz="1600" dirty="0"/>
           </a:p>
@@ -6722,7 +6722,7 @@
             <a:pPr algn="ctr"/>
             <a:r>
               <a:rPr lang="en-US" altLang="ko-KR" sz="1600"/>
-              <a:t>Sub A</a:t>
+              <a:t>Con A</a:t>
             </a:r>
             <a:endParaRPr lang="ko-KR" altLang="en-US" sz="1600" dirty="0"/>
           </a:p>
@@ -6775,7 +6775,7 @@
             <a:pPr algn="ctr"/>
             <a:r>
               <a:rPr lang="en-US" altLang="ko-KR" sz="1600"/>
-              <a:t>Sub B</a:t>
+              <a:t>Con B</a:t>
             </a:r>
             <a:endParaRPr lang="ko-KR" altLang="en-US" sz="1600" dirty="0"/>
           </a:p>
@@ -6828,7 +6828,7 @@
             <a:pPr algn="ctr"/>
             <a:r>
               <a:rPr lang="en-US" altLang="ko-KR" sz="1600"/>
-              <a:t>Sub C</a:t>
+              <a:t>Con C</a:t>
             </a:r>
             <a:endParaRPr lang="ko-KR" altLang="en-US" sz="1600" dirty="0"/>
           </a:p>
